--- a/presentation/DNS_strong_consistency.pptx
+++ b/presentation/DNS_strong_consistency.pptx
@@ -269,7 +269,7 @@
           <a:p>
             <a:fld id="{2A243E5B-601F-4596-B5CF-EDE3DA636748}" type="datetimeFigureOut">
               <a:rPr lang="zh-CN" altLang="en-US" smtClean="0"/>
-              <a:t>2021/11/17</a:t>
+              <a:t>2021/11/20</a:t>
             </a:fld>
             <a:endParaRPr lang="zh-CN" altLang="en-US"/>
           </a:p>
@@ -467,7 +467,7 @@
           <a:p>
             <a:fld id="{2A243E5B-601F-4596-B5CF-EDE3DA636748}" type="datetimeFigureOut">
               <a:rPr lang="zh-CN" altLang="en-US" smtClean="0"/>
-              <a:t>2021/11/17</a:t>
+              <a:t>2021/11/20</a:t>
             </a:fld>
             <a:endParaRPr lang="zh-CN" altLang="en-US"/>
           </a:p>
@@ -675,7 +675,7 @@
           <a:p>
             <a:fld id="{2A243E5B-601F-4596-B5CF-EDE3DA636748}" type="datetimeFigureOut">
               <a:rPr lang="zh-CN" altLang="en-US" smtClean="0"/>
-              <a:t>2021/11/17</a:t>
+              <a:t>2021/11/20</a:t>
             </a:fld>
             <a:endParaRPr lang="zh-CN" altLang="en-US"/>
           </a:p>
@@ -873,7 +873,7 @@
           <a:p>
             <a:fld id="{2A243E5B-601F-4596-B5CF-EDE3DA636748}" type="datetimeFigureOut">
               <a:rPr lang="zh-CN" altLang="en-US" smtClean="0"/>
-              <a:t>2021/11/17</a:t>
+              <a:t>2021/11/20</a:t>
             </a:fld>
             <a:endParaRPr lang="zh-CN" altLang="en-US"/>
           </a:p>
@@ -1148,7 +1148,7 @@
           <a:p>
             <a:fld id="{2A243E5B-601F-4596-B5CF-EDE3DA636748}" type="datetimeFigureOut">
               <a:rPr lang="zh-CN" altLang="en-US" smtClean="0"/>
-              <a:t>2021/11/17</a:t>
+              <a:t>2021/11/20</a:t>
             </a:fld>
             <a:endParaRPr lang="zh-CN" altLang="en-US"/>
           </a:p>
@@ -1413,7 +1413,7 @@
           <a:p>
             <a:fld id="{2A243E5B-601F-4596-B5CF-EDE3DA636748}" type="datetimeFigureOut">
               <a:rPr lang="zh-CN" altLang="en-US" smtClean="0"/>
-              <a:t>2021/11/17</a:t>
+              <a:t>2021/11/20</a:t>
             </a:fld>
             <a:endParaRPr lang="zh-CN" altLang="en-US"/>
           </a:p>
@@ -1825,7 +1825,7 @@
           <a:p>
             <a:fld id="{2A243E5B-601F-4596-B5CF-EDE3DA636748}" type="datetimeFigureOut">
               <a:rPr lang="zh-CN" altLang="en-US" smtClean="0"/>
-              <a:t>2021/11/17</a:t>
+              <a:t>2021/11/20</a:t>
             </a:fld>
             <a:endParaRPr lang="zh-CN" altLang="en-US"/>
           </a:p>
@@ -1966,7 +1966,7 @@
           <a:p>
             <a:fld id="{2A243E5B-601F-4596-B5CF-EDE3DA636748}" type="datetimeFigureOut">
               <a:rPr lang="zh-CN" altLang="en-US" smtClean="0"/>
-              <a:t>2021/11/17</a:t>
+              <a:t>2021/11/20</a:t>
             </a:fld>
             <a:endParaRPr lang="zh-CN" altLang="en-US"/>
           </a:p>
@@ -2079,7 +2079,7 @@
           <a:p>
             <a:fld id="{2A243E5B-601F-4596-B5CF-EDE3DA636748}" type="datetimeFigureOut">
               <a:rPr lang="zh-CN" altLang="en-US" smtClean="0"/>
-              <a:t>2021/11/17</a:t>
+              <a:t>2021/11/20</a:t>
             </a:fld>
             <a:endParaRPr lang="zh-CN" altLang="en-US"/>
           </a:p>
@@ -2390,7 +2390,7 @@
           <a:p>
             <a:fld id="{2A243E5B-601F-4596-B5CF-EDE3DA636748}" type="datetimeFigureOut">
               <a:rPr lang="zh-CN" altLang="en-US" smtClean="0"/>
-              <a:t>2021/11/17</a:t>
+              <a:t>2021/11/20</a:t>
             </a:fld>
             <a:endParaRPr lang="zh-CN" altLang="en-US"/>
           </a:p>
@@ -2678,7 +2678,7 @@
           <a:p>
             <a:fld id="{2A243E5B-601F-4596-B5CF-EDE3DA636748}" type="datetimeFigureOut">
               <a:rPr lang="zh-CN" altLang="en-US" smtClean="0"/>
-              <a:t>2021/11/17</a:t>
+              <a:t>2021/11/20</a:t>
             </a:fld>
             <a:endParaRPr lang="zh-CN" altLang="en-US"/>
           </a:p>
@@ -2919,7 +2919,7 @@
           <a:p>
             <a:fld id="{2A243E5B-601F-4596-B5CF-EDE3DA636748}" type="datetimeFigureOut">
               <a:rPr lang="zh-CN" altLang="en-US" smtClean="0"/>
-              <a:t>2021/11/17</a:t>
+              <a:t>2021/11/20</a:t>
             </a:fld>
             <a:endParaRPr lang="zh-CN" altLang="en-US"/>
           </a:p>
@@ -4247,10 +4247,10 @@
       </p:sp>
       <p:pic>
         <p:nvPicPr>
-          <p:cNvPr id="5" name="内容占位符 4">
-            <a:extLst>
-              <a:ext uri="{FF2B5EF4-FFF2-40B4-BE49-F238E27FC236}">
-                <a16:creationId xmlns:a16="http://schemas.microsoft.com/office/drawing/2014/main" id="{2A6CFBF2-7B8C-43BD-A370-5D022352B5AB}"/>
+          <p:cNvPr id="7" name="内容占位符 6">
+            <a:extLst>
+              <a:ext uri="{FF2B5EF4-FFF2-40B4-BE49-F238E27FC236}">
+                <a16:creationId xmlns:a16="http://schemas.microsoft.com/office/drawing/2014/main" id="{9388238E-3797-4ABC-866B-95C3D493C756}"/>
               </a:ext>
             </a:extLst>
           </p:cNvPr>
@@ -4275,8 +4275,8 @@
         </p:blipFill>
         <p:spPr>
           <a:xfrm>
-            <a:off x="999482" y="487566"/>
-            <a:ext cx="10193035" cy="6364824"/>
+            <a:off x="1178062" y="364638"/>
+            <a:ext cx="9968642" cy="6493362"/>
           </a:xfrm>
         </p:spPr>
       </p:pic>

--- a/presentation/DNS_strong_consistency.pptx
+++ b/presentation/DNS_strong_consistency.pptx
@@ -269,7 +269,7 @@
           <a:p>
             <a:fld id="{2A243E5B-601F-4596-B5CF-EDE3DA636748}" type="datetimeFigureOut">
               <a:rPr lang="zh-CN" altLang="en-US" smtClean="0"/>
-              <a:t>2021/11/20</a:t>
+              <a:t>2021/11/21</a:t>
             </a:fld>
             <a:endParaRPr lang="zh-CN" altLang="en-US"/>
           </a:p>
@@ -467,7 +467,7 @@
           <a:p>
             <a:fld id="{2A243E5B-601F-4596-B5CF-EDE3DA636748}" type="datetimeFigureOut">
               <a:rPr lang="zh-CN" altLang="en-US" smtClean="0"/>
-              <a:t>2021/11/20</a:t>
+              <a:t>2021/11/21</a:t>
             </a:fld>
             <a:endParaRPr lang="zh-CN" altLang="en-US"/>
           </a:p>
@@ -675,7 +675,7 @@
           <a:p>
             <a:fld id="{2A243E5B-601F-4596-B5CF-EDE3DA636748}" type="datetimeFigureOut">
               <a:rPr lang="zh-CN" altLang="en-US" smtClean="0"/>
-              <a:t>2021/11/20</a:t>
+              <a:t>2021/11/21</a:t>
             </a:fld>
             <a:endParaRPr lang="zh-CN" altLang="en-US"/>
           </a:p>
@@ -873,7 +873,7 @@
           <a:p>
             <a:fld id="{2A243E5B-601F-4596-B5CF-EDE3DA636748}" type="datetimeFigureOut">
               <a:rPr lang="zh-CN" altLang="en-US" smtClean="0"/>
-              <a:t>2021/11/20</a:t>
+              <a:t>2021/11/21</a:t>
             </a:fld>
             <a:endParaRPr lang="zh-CN" altLang="en-US"/>
           </a:p>
@@ -1148,7 +1148,7 @@
           <a:p>
             <a:fld id="{2A243E5B-601F-4596-B5CF-EDE3DA636748}" type="datetimeFigureOut">
               <a:rPr lang="zh-CN" altLang="en-US" smtClean="0"/>
-              <a:t>2021/11/20</a:t>
+              <a:t>2021/11/21</a:t>
             </a:fld>
             <a:endParaRPr lang="zh-CN" altLang="en-US"/>
           </a:p>
@@ -1413,7 +1413,7 @@
           <a:p>
             <a:fld id="{2A243E5B-601F-4596-B5CF-EDE3DA636748}" type="datetimeFigureOut">
               <a:rPr lang="zh-CN" altLang="en-US" smtClean="0"/>
-              <a:t>2021/11/20</a:t>
+              <a:t>2021/11/21</a:t>
             </a:fld>
             <a:endParaRPr lang="zh-CN" altLang="en-US"/>
           </a:p>
@@ -1825,7 +1825,7 @@
           <a:p>
             <a:fld id="{2A243E5B-601F-4596-B5CF-EDE3DA636748}" type="datetimeFigureOut">
               <a:rPr lang="zh-CN" altLang="en-US" smtClean="0"/>
-              <a:t>2021/11/20</a:t>
+              <a:t>2021/11/21</a:t>
             </a:fld>
             <a:endParaRPr lang="zh-CN" altLang="en-US"/>
           </a:p>
@@ -1966,7 +1966,7 @@
           <a:p>
             <a:fld id="{2A243E5B-601F-4596-B5CF-EDE3DA636748}" type="datetimeFigureOut">
               <a:rPr lang="zh-CN" altLang="en-US" smtClean="0"/>
-              <a:t>2021/11/20</a:t>
+              <a:t>2021/11/21</a:t>
             </a:fld>
             <a:endParaRPr lang="zh-CN" altLang="en-US"/>
           </a:p>
@@ -2079,7 +2079,7 @@
           <a:p>
             <a:fld id="{2A243E5B-601F-4596-B5CF-EDE3DA636748}" type="datetimeFigureOut">
               <a:rPr lang="zh-CN" altLang="en-US" smtClean="0"/>
-              <a:t>2021/11/20</a:t>
+              <a:t>2021/11/21</a:t>
             </a:fld>
             <a:endParaRPr lang="zh-CN" altLang="en-US"/>
           </a:p>
@@ -2390,7 +2390,7 @@
           <a:p>
             <a:fld id="{2A243E5B-601F-4596-B5CF-EDE3DA636748}" type="datetimeFigureOut">
               <a:rPr lang="zh-CN" altLang="en-US" smtClean="0"/>
-              <a:t>2021/11/20</a:t>
+              <a:t>2021/11/21</a:t>
             </a:fld>
             <a:endParaRPr lang="zh-CN" altLang="en-US"/>
           </a:p>
@@ -2678,7 +2678,7 @@
           <a:p>
             <a:fld id="{2A243E5B-601F-4596-B5CF-EDE3DA636748}" type="datetimeFigureOut">
               <a:rPr lang="zh-CN" altLang="en-US" smtClean="0"/>
-              <a:t>2021/11/20</a:t>
+              <a:t>2021/11/21</a:t>
             </a:fld>
             <a:endParaRPr lang="zh-CN" altLang="en-US"/>
           </a:p>
@@ -2919,7 +2919,7 @@
           <a:p>
             <a:fld id="{2A243E5B-601F-4596-B5CF-EDE3DA636748}" type="datetimeFigureOut">
               <a:rPr lang="zh-CN" altLang="en-US" smtClean="0"/>
-              <a:t>2021/11/20</a:t>
+              <a:t>2021/11/21</a:t>
             </a:fld>
             <a:endParaRPr lang="zh-CN" altLang="en-US"/>
           </a:p>
@@ -3359,12 +3359,14 @@
           </a:xfrm>
         </p:spPr>
         <p:txBody>
-          <a:bodyPr/>
+          <a:bodyPr>
+            <a:normAutofit fontScale="90000"/>
+          </a:bodyPr>
           <a:lstStyle/>
           <a:p>
             <a:r>
               <a:rPr lang="en-US" altLang="zh-CN"/>
-              <a:t>DNS Strong Consistency</a:t>
+              <a:t>DNS with Strong Consistency</a:t>
             </a:r>
             <a:endParaRPr lang="zh-CN" altLang="en-US"/>
           </a:p>
@@ -3488,6 +3490,32 @@
             </a:r>
             <a:endParaRPr lang="en-US" altLang="zh-CN"/>
           </a:p>
+          <a:p>
+            <a:r>
+              <a:rPr lang="en-US" altLang="zh-CN"/>
+              <a:t>Liu Wenrui </a:t>
+            </a:r>
+            <a:r>
+              <a:rPr lang="en-US" altLang="zh-CN">
+                <a:hlinkClick r:id="rId3"/>
+              </a:rPr>
+              <a:t>liuwenrui@pku.edu.cn</a:t>
+            </a:r>
+            <a:endParaRPr lang="en-US" altLang="zh-CN"/>
+          </a:p>
+          <a:p>
+            <a:r>
+              <a:rPr lang="en-US" altLang="zh-CN"/>
+              <a:t>Huang Xiaolong </a:t>
+            </a:r>
+            <a:r>
+              <a:rPr lang="en-US" altLang="zh-CN">
+                <a:hlinkClick r:id="rId4"/>
+              </a:rPr>
+              <a:t>huangxiaolong@pku.edu.cn</a:t>
+            </a:r>
+            <a:endParaRPr lang="en-US" altLang="zh-CN"/>
+          </a:p>
         </p:txBody>
       </p:sp>
     </p:spTree>
@@ -3541,58 +3569,40 @@
           <a:bodyPr/>
           <a:lstStyle/>
           <a:p>
-            <a:endParaRPr lang="zh-CN" altLang="en-US"/>
-          </a:p>
-        </p:txBody>
-      </p:sp>
-      <p:pic>
-        <p:nvPicPr>
-          <p:cNvPr id="8" name="内容占位符 7">
-            <a:extLst>
-              <a:ext uri="{FF2B5EF4-FFF2-40B4-BE49-F238E27FC236}">
-                <a16:creationId xmlns:a16="http://schemas.microsoft.com/office/drawing/2014/main" id="{F0208B6E-4548-4D6C-8178-3D80F78F9B4D}"/>
-              </a:ext>
-            </a:extLst>
-          </p:cNvPr>
-          <p:cNvPicPr>
-            <a:picLocks noGrp="1" noChangeAspect="1"/>
-          </p:cNvPicPr>
+            <a:pPr algn="ctr"/>
+            <a:r>
+              <a:rPr lang="en-US" altLang="zh-CN"/>
+              <a:t>Thanks for Your Listening!</a:t>
+            </a:r>
+            <a:endParaRPr lang="zh-CN" altLang="en-US"/>
+          </a:p>
+        </p:txBody>
+      </p:sp>
+      <p:sp>
+        <p:nvSpPr>
+          <p:cNvPr id="3" name="内容占位符 2">
+            <a:extLst>
+              <a:ext uri="{FF2B5EF4-FFF2-40B4-BE49-F238E27FC236}">
+                <a16:creationId xmlns:a16="http://schemas.microsoft.com/office/drawing/2014/main" id="{794FCB03-5A6B-4824-AD90-7EDA75B3C063}"/>
+              </a:ext>
+            </a:extLst>
+          </p:cNvPr>
+          <p:cNvSpPr>
+            <a:spLocks noGrp="1"/>
+          </p:cNvSpPr>
           <p:nvPr>
             <p:ph idx="1"/>
           </p:nvPr>
-        </p:nvPicPr>
-        <p:blipFill>
-          <a:blip r:embed="rId2">
-            <a:extLst>
-              <a:ext uri="{28A0092B-C50C-407E-A947-70E740481C1C}">
-                <a14:useLocalDpi xmlns:a14="http://schemas.microsoft.com/office/drawing/2010/main" val="0"/>
-              </a:ext>
-            </a:extLst>
-          </a:blip>
-          <a:stretch>
-            <a:fillRect/>
-          </a:stretch>
-        </p:blipFill>
-        <p:spPr bwMode="auto">
-          <a:xfrm>
-            <a:off x="2339925" y="1825625"/>
-            <a:ext cx="7512149" cy="4351338"/>
-          </a:xfrm>
-          <a:prstGeom prst="rect">
-            <a:avLst/>
-          </a:prstGeom>
-          <a:noFill/>
-          <a:extLst>
-            <a:ext uri="{909E8E84-426E-40DD-AFC4-6F175D3DCCD1}">
-              <a14:hiddenFill xmlns:a14="http://schemas.microsoft.com/office/drawing/2010/main">
-                <a:solidFill>
-                  <a:srgbClr val="FFFFFF"/>
-                </a:solidFill>
-              </a14:hiddenFill>
-            </a:ext>
-          </a:extLst>
-        </p:spPr>
-      </p:pic>
+        </p:nvSpPr>
+        <p:spPr/>
+        <p:txBody>
+          <a:bodyPr/>
+          <a:lstStyle/>
+          <a:p>
+            <a:endParaRPr lang="zh-CN" altLang="en-US"/>
+          </a:p>
+        </p:txBody>
+      </p:sp>
     </p:spTree>
     <p:extLst>
       <p:ext uri="{BB962C8B-B14F-4D97-AF65-F5344CB8AC3E}">

--- a/presentation/DNS_strong_consistency.pptx
+++ b/presentation/DNS_strong_consistency.pptx
@@ -269,7 +269,7 @@
           <a:p>
             <a:fld id="{2A243E5B-601F-4596-B5CF-EDE3DA636748}" type="datetimeFigureOut">
               <a:rPr lang="zh-CN" altLang="en-US" smtClean="0"/>
-              <a:t>2021/11/21</a:t>
+              <a:t>2021/11/22</a:t>
             </a:fld>
             <a:endParaRPr lang="zh-CN" altLang="en-US"/>
           </a:p>
@@ -467,7 +467,7 @@
           <a:p>
             <a:fld id="{2A243E5B-601F-4596-B5CF-EDE3DA636748}" type="datetimeFigureOut">
               <a:rPr lang="zh-CN" altLang="en-US" smtClean="0"/>
-              <a:t>2021/11/21</a:t>
+              <a:t>2021/11/22</a:t>
             </a:fld>
             <a:endParaRPr lang="zh-CN" altLang="en-US"/>
           </a:p>
@@ -675,7 +675,7 @@
           <a:p>
             <a:fld id="{2A243E5B-601F-4596-B5CF-EDE3DA636748}" type="datetimeFigureOut">
               <a:rPr lang="zh-CN" altLang="en-US" smtClean="0"/>
-              <a:t>2021/11/21</a:t>
+              <a:t>2021/11/22</a:t>
             </a:fld>
             <a:endParaRPr lang="zh-CN" altLang="en-US"/>
           </a:p>
@@ -873,7 +873,7 @@
           <a:p>
             <a:fld id="{2A243E5B-601F-4596-B5CF-EDE3DA636748}" type="datetimeFigureOut">
               <a:rPr lang="zh-CN" altLang="en-US" smtClean="0"/>
-              <a:t>2021/11/21</a:t>
+              <a:t>2021/11/22</a:t>
             </a:fld>
             <a:endParaRPr lang="zh-CN" altLang="en-US"/>
           </a:p>
@@ -1148,7 +1148,7 @@
           <a:p>
             <a:fld id="{2A243E5B-601F-4596-B5CF-EDE3DA636748}" type="datetimeFigureOut">
               <a:rPr lang="zh-CN" altLang="en-US" smtClean="0"/>
-              <a:t>2021/11/21</a:t>
+              <a:t>2021/11/22</a:t>
             </a:fld>
             <a:endParaRPr lang="zh-CN" altLang="en-US"/>
           </a:p>
@@ -1413,7 +1413,7 @@
           <a:p>
             <a:fld id="{2A243E5B-601F-4596-B5CF-EDE3DA636748}" type="datetimeFigureOut">
               <a:rPr lang="zh-CN" altLang="en-US" smtClean="0"/>
-              <a:t>2021/11/21</a:t>
+              <a:t>2021/11/22</a:t>
             </a:fld>
             <a:endParaRPr lang="zh-CN" altLang="en-US"/>
           </a:p>
@@ -1825,7 +1825,7 @@
           <a:p>
             <a:fld id="{2A243E5B-601F-4596-B5CF-EDE3DA636748}" type="datetimeFigureOut">
               <a:rPr lang="zh-CN" altLang="en-US" smtClean="0"/>
-              <a:t>2021/11/21</a:t>
+              <a:t>2021/11/22</a:t>
             </a:fld>
             <a:endParaRPr lang="zh-CN" altLang="en-US"/>
           </a:p>
@@ -1966,7 +1966,7 @@
           <a:p>
             <a:fld id="{2A243E5B-601F-4596-B5CF-EDE3DA636748}" type="datetimeFigureOut">
               <a:rPr lang="zh-CN" altLang="en-US" smtClean="0"/>
-              <a:t>2021/11/21</a:t>
+              <a:t>2021/11/22</a:t>
             </a:fld>
             <a:endParaRPr lang="zh-CN" altLang="en-US"/>
           </a:p>
@@ -2079,7 +2079,7 @@
           <a:p>
             <a:fld id="{2A243E5B-601F-4596-B5CF-EDE3DA636748}" type="datetimeFigureOut">
               <a:rPr lang="zh-CN" altLang="en-US" smtClean="0"/>
-              <a:t>2021/11/21</a:t>
+              <a:t>2021/11/22</a:t>
             </a:fld>
             <a:endParaRPr lang="zh-CN" altLang="en-US"/>
           </a:p>
@@ -2390,7 +2390,7 @@
           <a:p>
             <a:fld id="{2A243E5B-601F-4596-B5CF-EDE3DA636748}" type="datetimeFigureOut">
               <a:rPr lang="zh-CN" altLang="en-US" smtClean="0"/>
-              <a:t>2021/11/21</a:t>
+              <a:t>2021/11/22</a:t>
             </a:fld>
             <a:endParaRPr lang="zh-CN" altLang="en-US"/>
           </a:p>
@@ -2678,7 +2678,7 @@
           <a:p>
             <a:fld id="{2A243E5B-601F-4596-B5CF-EDE3DA636748}" type="datetimeFigureOut">
               <a:rPr lang="zh-CN" altLang="en-US" smtClean="0"/>
-              <a:t>2021/11/21</a:t>
+              <a:t>2021/11/22</a:t>
             </a:fld>
             <a:endParaRPr lang="zh-CN" altLang="en-US"/>
           </a:p>
@@ -2919,7 +2919,7 @@
           <a:p>
             <a:fld id="{2A243E5B-601F-4596-B5CF-EDE3DA636748}" type="datetimeFigureOut">
               <a:rPr lang="zh-CN" altLang="en-US" smtClean="0"/>
-              <a:t>2021/11/21</a:t>
+              <a:t>2021/11/22</a:t>
             </a:fld>
             <a:endParaRPr lang="zh-CN" altLang="en-US"/>
           </a:p>
@@ -3393,6 +3393,16 @@
           <a:bodyPr/>
           <a:lstStyle/>
           <a:p>
+            <a:r>
+              <a:rPr lang="en-US" altLang="zh-CN"/>
+              <a:t>Yuhan Zhou  Wenrui Liu  Xiaolong Huang</a:t>
+            </a:r>
+          </a:p>
+          <a:p>
+            <a:r>
+              <a:rPr lang="en-US" altLang="zh-CN"/>
+              <a:t>November 22, 2021</a:t>
+            </a:r>
             <a:endParaRPr lang="zh-CN" altLang="en-US"/>
           </a:p>
         </p:txBody>
@@ -3480,7 +3490,7 @@
           <a:p>
             <a:r>
               <a:rPr lang="en-US" altLang="zh-CN"/>
-              <a:t>Zhou Yuhan </a:t>
+              <a:t>Yuhan Zhou </a:t>
             </a:r>
             <a:r>
               <a:rPr lang="en-US" altLang="zh-CN">
@@ -3493,7 +3503,7 @@
           <a:p>
             <a:r>
               <a:rPr lang="en-US" altLang="zh-CN"/>
-              <a:t>Liu Wenrui </a:t>
+              <a:t>Wenrui Liu </a:t>
             </a:r>
             <a:r>
               <a:rPr lang="en-US" altLang="zh-CN">
@@ -3506,7 +3516,7 @@
           <a:p>
             <a:r>
               <a:rPr lang="en-US" altLang="zh-CN"/>
-              <a:t>Huang Xiaolong </a:t>
+              <a:t>Xiaolong Huang </a:t>
             </a:r>
             <a:r>
               <a:rPr lang="en-US" altLang="zh-CN">

--- a/presentation/DNS_strong_consistency.pptx
+++ b/presentation/DNS_strong_consistency.pptx
@@ -269,7 +269,7 @@
           <a:p>
             <a:fld id="{2A243E5B-601F-4596-B5CF-EDE3DA636748}" type="datetimeFigureOut">
               <a:rPr lang="zh-CN" altLang="en-US" smtClean="0"/>
-              <a:t>2021/11/22</a:t>
+              <a:t>2021/11/26</a:t>
             </a:fld>
             <a:endParaRPr lang="zh-CN" altLang="en-US"/>
           </a:p>
@@ -467,7 +467,7 @@
           <a:p>
             <a:fld id="{2A243E5B-601F-4596-B5CF-EDE3DA636748}" type="datetimeFigureOut">
               <a:rPr lang="zh-CN" altLang="en-US" smtClean="0"/>
-              <a:t>2021/11/22</a:t>
+              <a:t>2021/11/26</a:t>
             </a:fld>
             <a:endParaRPr lang="zh-CN" altLang="en-US"/>
           </a:p>
@@ -675,7 +675,7 @@
           <a:p>
             <a:fld id="{2A243E5B-601F-4596-B5CF-EDE3DA636748}" type="datetimeFigureOut">
               <a:rPr lang="zh-CN" altLang="en-US" smtClean="0"/>
-              <a:t>2021/11/22</a:t>
+              <a:t>2021/11/26</a:t>
             </a:fld>
             <a:endParaRPr lang="zh-CN" altLang="en-US"/>
           </a:p>
@@ -873,7 +873,7 @@
           <a:p>
             <a:fld id="{2A243E5B-601F-4596-B5CF-EDE3DA636748}" type="datetimeFigureOut">
               <a:rPr lang="zh-CN" altLang="en-US" smtClean="0"/>
-              <a:t>2021/11/22</a:t>
+              <a:t>2021/11/26</a:t>
             </a:fld>
             <a:endParaRPr lang="zh-CN" altLang="en-US"/>
           </a:p>
@@ -1148,7 +1148,7 @@
           <a:p>
             <a:fld id="{2A243E5B-601F-4596-B5CF-EDE3DA636748}" type="datetimeFigureOut">
               <a:rPr lang="zh-CN" altLang="en-US" smtClean="0"/>
-              <a:t>2021/11/22</a:t>
+              <a:t>2021/11/26</a:t>
             </a:fld>
             <a:endParaRPr lang="zh-CN" altLang="en-US"/>
           </a:p>
@@ -1413,7 +1413,7 @@
           <a:p>
             <a:fld id="{2A243E5B-601F-4596-B5CF-EDE3DA636748}" type="datetimeFigureOut">
               <a:rPr lang="zh-CN" altLang="en-US" smtClean="0"/>
-              <a:t>2021/11/22</a:t>
+              <a:t>2021/11/26</a:t>
             </a:fld>
             <a:endParaRPr lang="zh-CN" altLang="en-US"/>
           </a:p>
@@ -1825,7 +1825,7 @@
           <a:p>
             <a:fld id="{2A243E5B-601F-4596-B5CF-EDE3DA636748}" type="datetimeFigureOut">
               <a:rPr lang="zh-CN" altLang="en-US" smtClean="0"/>
-              <a:t>2021/11/22</a:t>
+              <a:t>2021/11/26</a:t>
             </a:fld>
             <a:endParaRPr lang="zh-CN" altLang="en-US"/>
           </a:p>
@@ -1966,7 +1966,7 @@
           <a:p>
             <a:fld id="{2A243E5B-601F-4596-B5CF-EDE3DA636748}" type="datetimeFigureOut">
               <a:rPr lang="zh-CN" altLang="en-US" smtClean="0"/>
-              <a:t>2021/11/22</a:t>
+              <a:t>2021/11/26</a:t>
             </a:fld>
             <a:endParaRPr lang="zh-CN" altLang="en-US"/>
           </a:p>
@@ -2079,7 +2079,7 @@
           <a:p>
             <a:fld id="{2A243E5B-601F-4596-B5CF-EDE3DA636748}" type="datetimeFigureOut">
               <a:rPr lang="zh-CN" altLang="en-US" smtClean="0"/>
-              <a:t>2021/11/22</a:t>
+              <a:t>2021/11/26</a:t>
             </a:fld>
             <a:endParaRPr lang="zh-CN" altLang="en-US"/>
           </a:p>
@@ -2390,7 +2390,7 @@
           <a:p>
             <a:fld id="{2A243E5B-601F-4596-B5CF-EDE3DA636748}" type="datetimeFigureOut">
               <a:rPr lang="zh-CN" altLang="en-US" smtClean="0"/>
-              <a:t>2021/11/22</a:t>
+              <a:t>2021/11/26</a:t>
             </a:fld>
             <a:endParaRPr lang="zh-CN" altLang="en-US"/>
           </a:p>
@@ -2678,7 +2678,7 @@
           <a:p>
             <a:fld id="{2A243E5B-601F-4596-B5CF-EDE3DA636748}" type="datetimeFigureOut">
               <a:rPr lang="zh-CN" altLang="en-US" smtClean="0"/>
-              <a:t>2021/11/22</a:t>
+              <a:t>2021/11/26</a:t>
             </a:fld>
             <a:endParaRPr lang="zh-CN" altLang="en-US"/>
           </a:p>
@@ -2919,7 +2919,7 @@
           <a:p>
             <a:fld id="{2A243E5B-601F-4596-B5CF-EDE3DA636748}" type="datetimeFigureOut">
               <a:rPr lang="zh-CN" altLang="en-US" smtClean="0"/>
-              <a:t>2021/11/22</a:t>
+              <a:t>2021/11/26</a:t>
             </a:fld>
             <a:endParaRPr lang="zh-CN" altLang="en-US"/>
           </a:p>
@@ -4295,7 +4295,7 @@
         </p:blipFill>
         <p:spPr>
           <a:xfrm>
-            <a:off x="1178062" y="364638"/>
+            <a:off x="1178062" y="493176"/>
             <a:ext cx="9968642" cy="6493362"/>
           </a:xfrm>
         </p:spPr>
